--- a/project_info/Project - stack and preso.pptx
+++ b/project_info/Project - stack and preso.pptx
@@ -6,8 +6,8 @@
   </p:sldMasterIdLst>
   <p:sldIdLst>
     <p:sldId id="256" r:id="rId2"/>
-    <p:sldId id="257" r:id="rId3"/>
-    <p:sldId id="258" r:id="rId4"/>
+    <p:sldId id="258" r:id="rId3"/>
+    <p:sldId id="257" r:id="rId4"/>
   </p:sldIdLst>
   <p:sldSz cx="12192000" cy="6858000"/>
   <p:notesSz cx="6858000" cy="9144000"/>
@@ -245,7 +245,7 @@
           <a:p>
             <a:fld id="{E6B68DF7-92C5-489E-94B8-0306EBDCCA2F}" type="datetimeFigureOut">
               <a:rPr lang="en-US" smtClean="0"/>
-              <a:t>3/20/2018</a:t>
+              <a:t>3/26/2018</a:t>
             </a:fld>
             <a:endParaRPr lang="en-US"/>
           </a:p>
@@ -415,7 +415,7 @@
           <a:p>
             <a:fld id="{E6B68DF7-92C5-489E-94B8-0306EBDCCA2F}" type="datetimeFigureOut">
               <a:rPr lang="en-US" smtClean="0"/>
-              <a:t>3/20/2018</a:t>
+              <a:t>3/26/2018</a:t>
             </a:fld>
             <a:endParaRPr lang="en-US"/>
           </a:p>
@@ -595,7 +595,7 @@
           <a:p>
             <a:fld id="{E6B68DF7-92C5-489E-94B8-0306EBDCCA2F}" type="datetimeFigureOut">
               <a:rPr lang="en-US" smtClean="0"/>
-              <a:t>3/20/2018</a:t>
+              <a:t>3/26/2018</a:t>
             </a:fld>
             <a:endParaRPr lang="en-US"/>
           </a:p>
@@ -765,7 +765,7 @@
           <a:p>
             <a:fld id="{E6B68DF7-92C5-489E-94B8-0306EBDCCA2F}" type="datetimeFigureOut">
               <a:rPr lang="en-US" smtClean="0"/>
-              <a:t>3/20/2018</a:t>
+              <a:t>3/26/2018</a:t>
             </a:fld>
             <a:endParaRPr lang="en-US"/>
           </a:p>
@@ -1011,7 +1011,7 @@
           <a:p>
             <a:fld id="{E6B68DF7-92C5-489E-94B8-0306EBDCCA2F}" type="datetimeFigureOut">
               <a:rPr lang="en-US" smtClean="0"/>
-              <a:t>3/20/2018</a:t>
+              <a:t>3/26/2018</a:t>
             </a:fld>
             <a:endParaRPr lang="en-US"/>
           </a:p>
@@ -1243,7 +1243,7 @@
           <a:p>
             <a:fld id="{E6B68DF7-92C5-489E-94B8-0306EBDCCA2F}" type="datetimeFigureOut">
               <a:rPr lang="en-US" smtClean="0"/>
-              <a:t>3/20/2018</a:t>
+              <a:t>3/26/2018</a:t>
             </a:fld>
             <a:endParaRPr lang="en-US"/>
           </a:p>
@@ -1610,7 +1610,7 @@
           <a:p>
             <a:fld id="{E6B68DF7-92C5-489E-94B8-0306EBDCCA2F}" type="datetimeFigureOut">
               <a:rPr lang="en-US" smtClean="0"/>
-              <a:t>3/20/2018</a:t>
+              <a:t>3/26/2018</a:t>
             </a:fld>
             <a:endParaRPr lang="en-US"/>
           </a:p>
@@ -1728,7 +1728,7 @@
           <a:p>
             <a:fld id="{E6B68DF7-92C5-489E-94B8-0306EBDCCA2F}" type="datetimeFigureOut">
               <a:rPr lang="en-US" smtClean="0"/>
-              <a:t>3/20/2018</a:t>
+              <a:t>3/26/2018</a:t>
             </a:fld>
             <a:endParaRPr lang="en-US"/>
           </a:p>
@@ -1823,7 +1823,7 @@
           <a:p>
             <a:fld id="{E6B68DF7-92C5-489E-94B8-0306EBDCCA2F}" type="datetimeFigureOut">
               <a:rPr lang="en-US" smtClean="0"/>
-              <a:t>3/20/2018</a:t>
+              <a:t>3/26/2018</a:t>
             </a:fld>
             <a:endParaRPr lang="en-US"/>
           </a:p>
@@ -2100,7 +2100,7 @@
           <a:p>
             <a:fld id="{E6B68DF7-92C5-489E-94B8-0306EBDCCA2F}" type="datetimeFigureOut">
               <a:rPr lang="en-US" smtClean="0"/>
-              <a:t>3/20/2018</a:t>
+              <a:t>3/26/2018</a:t>
             </a:fld>
             <a:endParaRPr lang="en-US"/>
           </a:p>
@@ -2353,7 +2353,7 @@
           <a:p>
             <a:fld id="{E6B68DF7-92C5-489E-94B8-0306EBDCCA2F}" type="datetimeFigureOut">
               <a:rPr lang="en-US" smtClean="0"/>
-              <a:t>3/20/2018</a:t>
+              <a:t>3/26/2018</a:t>
             </a:fld>
             <a:endParaRPr lang="en-US"/>
           </a:p>
@@ -2566,7 +2566,7 @@
           <a:p>
             <a:fld id="{E6B68DF7-92C5-489E-94B8-0306EBDCCA2F}" type="datetimeFigureOut">
               <a:rPr lang="en-US" smtClean="0"/>
-              <a:t>3/20/2018</a:t>
+              <a:t>3/26/2018</a:t>
             </a:fld>
             <a:endParaRPr lang="en-US"/>
           </a:p>
@@ -4195,12 +4195,12 @@
           <a:p>
             <a:pPr algn="ctr"/>
             <a:r>
-              <a:rPr lang="en-US" dirty="0" smtClean="0">
+              <a:rPr lang="en-US" dirty="0" err="1" smtClean="0">
                 <a:solidFill>
                   <a:schemeClr val="bg1"/>
                 </a:solidFill>
               </a:rPr>
-              <a:t>AWS</a:t>
+              <a:t>Heroku</a:t>
             </a:r>
             <a:endParaRPr lang="en-US" dirty="0">
               <a:solidFill>
@@ -4405,7 +4405,6 @@
               <a:rPr lang="en-US" dirty="0" smtClean="0"/>
               <a:t>MongoDB</a:t>
             </a:r>
-            <a:endParaRPr lang="en-US" dirty="0" smtClean="0"/>
           </a:p>
         </p:txBody>
       </p:sp>
@@ -4448,658 +4447,6 @@
       </p:grpSpPr>
       <p:sp>
         <p:nvSpPr>
-          <p:cNvPr id="4" name="Rectangle 3"/>
-          <p:cNvSpPr/>
-          <p:nvPr/>
-        </p:nvSpPr>
-        <p:spPr>
-          <a:xfrm>
-            <a:off x="3388858" y="1440873"/>
-            <a:ext cx="2033524" cy="4512108"/>
-          </a:xfrm>
-          <a:prstGeom prst="rect">
-            <a:avLst/>
-          </a:prstGeom>
-          <a:solidFill>
-            <a:schemeClr val="bg1">
-              <a:lumMod val="85000"/>
-            </a:schemeClr>
-          </a:solidFill>
-          <a:ln>
-            <a:solidFill>
-              <a:schemeClr val="tx1">
-                <a:lumMod val="95000"/>
-                <a:lumOff val="5000"/>
-              </a:schemeClr>
-            </a:solidFill>
-          </a:ln>
-        </p:spPr>
-        <p:style>
-          <a:lnRef idx="2">
-            <a:schemeClr val="accent1">
-              <a:shade val="50000"/>
-            </a:schemeClr>
-          </a:lnRef>
-          <a:fillRef idx="1">
-            <a:schemeClr val="accent1"/>
-          </a:fillRef>
-          <a:effectRef idx="0">
-            <a:schemeClr val="accent1"/>
-          </a:effectRef>
-          <a:fontRef idx="minor">
-            <a:schemeClr val="lt1"/>
-          </a:fontRef>
-        </p:style>
-        <p:txBody>
-          <a:bodyPr rtlCol="0" anchor="ctr"/>
-          <a:lstStyle/>
-          <a:p>
-            <a:pPr algn="ctr"/>
-            <a:endParaRPr lang="en-US" dirty="0"/>
-          </a:p>
-        </p:txBody>
-      </p:sp>
-      <p:sp>
-        <p:nvSpPr>
-          <p:cNvPr id="5" name="TextBox 4"/>
-          <p:cNvSpPr txBox="1"/>
-          <p:nvPr/>
-        </p:nvSpPr>
-        <p:spPr>
-          <a:xfrm>
-            <a:off x="149974" y="308056"/>
-            <a:ext cx="11750175" cy="369332"/>
-          </a:xfrm>
-          <a:prstGeom prst="rect">
-            <a:avLst/>
-          </a:prstGeom>
-          <a:solidFill>
-            <a:schemeClr val="tx1"/>
-          </a:solidFill>
-        </p:spPr>
-        <p:txBody>
-          <a:bodyPr wrap="square" rtlCol="0">
-            <a:spAutoFit/>
-          </a:bodyPr>
-          <a:lstStyle/>
-          <a:p>
-            <a:r>
-              <a:rPr lang="en-US" dirty="0" smtClean="0">
-                <a:solidFill>
-                  <a:schemeClr val="bg1"/>
-                </a:solidFill>
-              </a:rPr>
-              <a:t>Process Flow</a:t>
-            </a:r>
-            <a:endParaRPr lang="en-US" dirty="0">
-              <a:solidFill>
-                <a:schemeClr val="bg1"/>
-              </a:solidFill>
-            </a:endParaRPr>
-          </a:p>
-        </p:txBody>
-      </p:sp>
-      <p:sp>
-        <p:nvSpPr>
-          <p:cNvPr id="10" name="Rectangle 9"/>
-          <p:cNvSpPr/>
-          <p:nvPr/>
-        </p:nvSpPr>
-        <p:spPr>
-          <a:xfrm>
-            <a:off x="3583917" y="1310571"/>
-            <a:ext cx="1676654" cy="260604"/>
-          </a:xfrm>
-          <a:prstGeom prst="rect">
-            <a:avLst/>
-          </a:prstGeom>
-          <a:solidFill>
-            <a:schemeClr val="tx1">
-              <a:lumMod val="65000"/>
-              <a:lumOff val="35000"/>
-            </a:schemeClr>
-          </a:solidFill>
-          <a:ln>
-            <a:noFill/>
-          </a:ln>
-        </p:spPr>
-        <p:style>
-          <a:lnRef idx="2">
-            <a:schemeClr val="accent1">
-              <a:shade val="50000"/>
-            </a:schemeClr>
-          </a:lnRef>
-          <a:fillRef idx="1">
-            <a:schemeClr val="accent1"/>
-          </a:fillRef>
-          <a:effectRef idx="0">
-            <a:schemeClr val="accent1"/>
-          </a:effectRef>
-          <a:fontRef idx="minor">
-            <a:schemeClr val="lt1"/>
-          </a:fontRef>
-        </p:style>
-        <p:txBody>
-          <a:bodyPr rtlCol="0" anchor="ctr"/>
-          <a:lstStyle/>
-          <a:p>
-            <a:pPr algn="ctr"/>
-            <a:r>
-              <a:rPr lang="en-US" dirty="0" err="1" smtClean="0"/>
-              <a:t>Persistance</a:t>
-            </a:r>
-            <a:endParaRPr lang="en-US" dirty="0"/>
-          </a:p>
-        </p:txBody>
-      </p:sp>
-      <p:sp>
-        <p:nvSpPr>
-          <p:cNvPr id="11" name="Rectangle 10"/>
-          <p:cNvSpPr/>
-          <p:nvPr/>
-        </p:nvSpPr>
-        <p:spPr>
-          <a:xfrm>
-            <a:off x="149974" y="1440873"/>
-            <a:ext cx="2033524" cy="4512108"/>
-          </a:xfrm>
-          <a:prstGeom prst="rect">
-            <a:avLst/>
-          </a:prstGeom>
-          <a:solidFill>
-            <a:schemeClr val="bg1">
-              <a:lumMod val="85000"/>
-            </a:schemeClr>
-          </a:solidFill>
-          <a:ln>
-            <a:solidFill>
-              <a:schemeClr val="tx1">
-                <a:lumMod val="95000"/>
-                <a:lumOff val="5000"/>
-              </a:schemeClr>
-            </a:solidFill>
-          </a:ln>
-        </p:spPr>
-        <p:style>
-          <a:lnRef idx="2">
-            <a:schemeClr val="accent1">
-              <a:shade val="50000"/>
-            </a:schemeClr>
-          </a:lnRef>
-          <a:fillRef idx="1">
-            <a:schemeClr val="accent1"/>
-          </a:fillRef>
-          <a:effectRef idx="0">
-            <a:schemeClr val="accent1"/>
-          </a:effectRef>
-          <a:fontRef idx="minor">
-            <a:schemeClr val="lt1"/>
-          </a:fontRef>
-        </p:style>
-        <p:txBody>
-          <a:bodyPr rtlCol="0" anchor="ctr"/>
-          <a:lstStyle/>
-          <a:p>
-            <a:pPr algn="ctr"/>
-            <a:endParaRPr lang="en-US" dirty="0"/>
-          </a:p>
-        </p:txBody>
-      </p:sp>
-      <p:sp>
-        <p:nvSpPr>
-          <p:cNvPr id="12" name="Rectangle 11"/>
-          <p:cNvSpPr/>
-          <p:nvPr/>
-        </p:nvSpPr>
-        <p:spPr>
-          <a:xfrm>
-            <a:off x="328409" y="1310571"/>
-            <a:ext cx="1676654" cy="260604"/>
-          </a:xfrm>
-          <a:prstGeom prst="rect">
-            <a:avLst/>
-          </a:prstGeom>
-          <a:solidFill>
-            <a:schemeClr val="tx1">
-              <a:lumMod val="65000"/>
-              <a:lumOff val="35000"/>
-            </a:schemeClr>
-          </a:solidFill>
-          <a:ln>
-            <a:noFill/>
-          </a:ln>
-        </p:spPr>
-        <p:style>
-          <a:lnRef idx="2">
-            <a:schemeClr val="accent1">
-              <a:shade val="50000"/>
-            </a:schemeClr>
-          </a:lnRef>
-          <a:fillRef idx="1">
-            <a:schemeClr val="accent1"/>
-          </a:fillRef>
-          <a:effectRef idx="0">
-            <a:schemeClr val="accent1"/>
-          </a:effectRef>
-          <a:fontRef idx="minor">
-            <a:schemeClr val="lt1"/>
-          </a:fontRef>
-        </p:style>
-        <p:txBody>
-          <a:bodyPr rtlCol="0" anchor="ctr"/>
-          <a:lstStyle/>
-          <a:p>
-            <a:pPr algn="ctr"/>
-            <a:r>
-              <a:rPr lang="en-US" dirty="0" err="1" smtClean="0"/>
-              <a:t>Tpl</a:t>
-            </a:r>
-            <a:r>
-              <a:rPr lang="en-US" dirty="0" smtClean="0"/>
-              <a:t> Upload</a:t>
-            </a:r>
-            <a:endParaRPr lang="en-US" dirty="0"/>
-          </a:p>
-        </p:txBody>
-      </p:sp>
-      <p:sp>
-        <p:nvSpPr>
-          <p:cNvPr id="13" name="Rectangle 12"/>
-          <p:cNvSpPr/>
-          <p:nvPr/>
-        </p:nvSpPr>
-        <p:spPr>
-          <a:xfrm>
-            <a:off x="6627742" y="1440873"/>
-            <a:ext cx="2033524" cy="4512108"/>
-          </a:xfrm>
-          <a:prstGeom prst="rect">
-            <a:avLst/>
-          </a:prstGeom>
-          <a:solidFill>
-            <a:schemeClr val="bg1">
-              <a:lumMod val="85000"/>
-            </a:schemeClr>
-          </a:solidFill>
-          <a:ln>
-            <a:solidFill>
-              <a:schemeClr val="tx1">
-                <a:lumMod val="95000"/>
-                <a:lumOff val="5000"/>
-              </a:schemeClr>
-            </a:solidFill>
-          </a:ln>
-        </p:spPr>
-        <p:style>
-          <a:lnRef idx="2">
-            <a:schemeClr val="accent1">
-              <a:shade val="50000"/>
-            </a:schemeClr>
-          </a:lnRef>
-          <a:fillRef idx="1">
-            <a:schemeClr val="accent1"/>
-          </a:fillRef>
-          <a:effectRef idx="0">
-            <a:schemeClr val="accent1"/>
-          </a:effectRef>
-          <a:fontRef idx="minor">
-            <a:schemeClr val="lt1"/>
-          </a:fontRef>
-        </p:style>
-        <p:txBody>
-          <a:bodyPr rtlCol="0" anchor="ctr"/>
-          <a:lstStyle/>
-          <a:p>
-            <a:pPr algn="ctr"/>
-            <a:endParaRPr lang="en-US" dirty="0"/>
-          </a:p>
-        </p:txBody>
-      </p:sp>
-      <p:sp>
-        <p:nvSpPr>
-          <p:cNvPr id="14" name="Rectangle 13"/>
-          <p:cNvSpPr/>
-          <p:nvPr/>
-        </p:nvSpPr>
-        <p:spPr>
-          <a:xfrm>
-            <a:off x="6806177" y="1310571"/>
-            <a:ext cx="1676654" cy="260604"/>
-          </a:xfrm>
-          <a:prstGeom prst="rect">
-            <a:avLst/>
-          </a:prstGeom>
-          <a:solidFill>
-            <a:schemeClr val="tx1">
-              <a:lumMod val="65000"/>
-              <a:lumOff val="35000"/>
-            </a:schemeClr>
-          </a:solidFill>
-          <a:ln>
-            <a:noFill/>
-          </a:ln>
-        </p:spPr>
-        <p:style>
-          <a:lnRef idx="2">
-            <a:schemeClr val="accent1">
-              <a:shade val="50000"/>
-            </a:schemeClr>
-          </a:lnRef>
-          <a:fillRef idx="1">
-            <a:schemeClr val="accent1"/>
-          </a:fillRef>
-          <a:effectRef idx="0">
-            <a:schemeClr val="accent1"/>
-          </a:effectRef>
-          <a:fontRef idx="minor">
-            <a:schemeClr val="lt1"/>
-          </a:fontRef>
-        </p:style>
-        <p:txBody>
-          <a:bodyPr rtlCol="0" anchor="ctr"/>
-          <a:lstStyle/>
-          <a:p>
-            <a:pPr algn="ctr"/>
-            <a:r>
-              <a:rPr lang="en-US" dirty="0" smtClean="0"/>
-              <a:t>Analysis</a:t>
-            </a:r>
-            <a:endParaRPr lang="en-US" dirty="0"/>
-          </a:p>
-        </p:txBody>
-      </p:sp>
-      <p:sp>
-        <p:nvSpPr>
-          <p:cNvPr id="15" name="Rectangle 14"/>
-          <p:cNvSpPr/>
-          <p:nvPr/>
-        </p:nvSpPr>
-        <p:spPr>
-          <a:xfrm>
-            <a:off x="9866625" y="1440873"/>
-            <a:ext cx="2033524" cy="4512108"/>
-          </a:xfrm>
-          <a:prstGeom prst="rect">
-            <a:avLst/>
-          </a:prstGeom>
-          <a:solidFill>
-            <a:schemeClr val="bg1">
-              <a:lumMod val="85000"/>
-            </a:schemeClr>
-          </a:solidFill>
-          <a:ln>
-            <a:solidFill>
-              <a:schemeClr val="tx1">
-                <a:lumMod val="95000"/>
-                <a:lumOff val="5000"/>
-              </a:schemeClr>
-            </a:solidFill>
-          </a:ln>
-        </p:spPr>
-        <p:style>
-          <a:lnRef idx="2">
-            <a:schemeClr val="accent1">
-              <a:shade val="50000"/>
-            </a:schemeClr>
-          </a:lnRef>
-          <a:fillRef idx="1">
-            <a:schemeClr val="accent1"/>
-          </a:fillRef>
-          <a:effectRef idx="0">
-            <a:schemeClr val="accent1"/>
-          </a:effectRef>
-          <a:fontRef idx="minor">
-            <a:schemeClr val="lt1"/>
-          </a:fontRef>
-        </p:style>
-        <p:txBody>
-          <a:bodyPr rtlCol="0" anchor="ctr"/>
-          <a:lstStyle/>
-          <a:p>
-            <a:pPr algn="ctr"/>
-            <a:endParaRPr lang="en-US" dirty="0"/>
-          </a:p>
-        </p:txBody>
-      </p:sp>
-      <p:sp>
-        <p:nvSpPr>
-          <p:cNvPr id="16" name="Rectangle 15"/>
-          <p:cNvSpPr/>
-          <p:nvPr/>
-        </p:nvSpPr>
-        <p:spPr>
-          <a:xfrm>
-            <a:off x="10045061" y="1310571"/>
-            <a:ext cx="1676654" cy="260604"/>
-          </a:xfrm>
-          <a:prstGeom prst="rect">
-            <a:avLst/>
-          </a:prstGeom>
-          <a:solidFill>
-            <a:schemeClr val="tx1">
-              <a:lumMod val="65000"/>
-              <a:lumOff val="35000"/>
-            </a:schemeClr>
-          </a:solidFill>
-          <a:ln>
-            <a:noFill/>
-          </a:ln>
-        </p:spPr>
-        <p:style>
-          <a:lnRef idx="2">
-            <a:schemeClr val="accent1">
-              <a:shade val="50000"/>
-            </a:schemeClr>
-          </a:lnRef>
-          <a:fillRef idx="1">
-            <a:schemeClr val="accent1"/>
-          </a:fillRef>
-          <a:effectRef idx="0">
-            <a:schemeClr val="accent1"/>
-          </a:effectRef>
-          <a:fontRef idx="minor">
-            <a:schemeClr val="lt1"/>
-          </a:fontRef>
-        </p:style>
-        <p:txBody>
-          <a:bodyPr rtlCol="0" anchor="ctr"/>
-          <a:lstStyle/>
-          <a:p>
-            <a:pPr algn="ctr"/>
-            <a:r>
-              <a:rPr lang="en-US" dirty="0" smtClean="0"/>
-              <a:t>Results</a:t>
-            </a:r>
-            <a:endParaRPr lang="en-US" dirty="0"/>
-          </a:p>
-        </p:txBody>
-      </p:sp>
-      <p:sp>
-        <p:nvSpPr>
-          <p:cNvPr id="17" name="Right Arrow 16"/>
-          <p:cNvSpPr/>
-          <p:nvPr/>
-        </p:nvSpPr>
-        <p:spPr>
-          <a:xfrm>
-            <a:off x="2360815" y="2487425"/>
-            <a:ext cx="847898" cy="2419004"/>
-          </a:xfrm>
-          <a:prstGeom prst="rightArrow">
-            <a:avLst/>
-          </a:prstGeom>
-          <a:noFill/>
-          <a:ln>
-            <a:solidFill>
-              <a:schemeClr val="tx1">
-                <a:lumMod val="95000"/>
-                <a:lumOff val="5000"/>
-              </a:schemeClr>
-            </a:solidFill>
-          </a:ln>
-        </p:spPr>
-        <p:style>
-          <a:lnRef idx="2">
-            <a:schemeClr val="accent1">
-              <a:shade val="50000"/>
-            </a:schemeClr>
-          </a:lnRef>
-          <a:fillRef idx="1">
-            <a:schemeClr val="accent1"/>
-          </a:fillRef>
-          <a:effectRef idx="0">
-            <a:schemeClr val="accent1"/>
-          </a:effectRef>
-          <a:fontRef idx="minor">
-            <a:schemeClr val="lt1"/>
-          </a:fontRef>
-        </p:style>
-        <p:txBody>
-          <a:bodyPr rtlCol="0" anchor="ctr"/>
-          <a:lstStyle/>
-          <a:p>
-            <a:pPr algn="ctr"/>
-            <a:endParaRPr lang="en-US"/>
-          </a:p>
-        </p:txBody>
-      </p:sp>
-      <p:sp>
-        <p:nvSpPr>
-          <p:cNvPr id="18" name="Right Arrow 17"/>
-          <p:cNvSpPr/>
-          <p:nvPr/>
-        </p:nvSpPr>
-        <p:spPr>
-          <a:xfrm>
-            <a:off x="5601112" y="2487425"/>
-            <a:ext cx="847898" cy="2419004"/>
-          </a:xfrm>
-          <a:prstGeom prst="rightArrow">
-            <a:avLst/>
-          </a:prstGeom>
-          <a:noFill/>
-          <a:ln>
-            <a:solidFill>
-              <a:schemeClr val="tx1">
-                <a:lumMod val="95000"/>
-                <a:lumOff val="5000"/>
-              </a:schemeClr>
-            </a:solidFill>
-          </a:ln>
-        </p:spPr>
-        <p:style>
-          <a:lnRef idx="2">
-            <a:schemeClr val="accent1">
-              <a:shade val="50000"/>
-            </a:schemeClr>
-          </a:lnRef>
-          <a:fillRef idx="1">
-            <a:schemeClr val="accent1"/>
-          </a:fillRef>
-          <a:effectRef idx="0">
-            <a:schemeClr val="accent1"/>
-          </a:effectRef>
-          <a:fontRef idx="minor">
-            <a:schemeClr val="lt1"/>
-          </a:fontRef>
-        </p:style>
-        <p:txBody>
-          <a:bodyPr rtlCol="0" anchor="ctr"/>
-          <a:lstStyle/>
-          <a:p>
-            <a:pPr algn="ctr"/>
-            <a:endParaRPr lang="en-US"/>
-          </a:p>
-        </p:txBody>
-      </p:sp>
-      <p:sp>
-        <p:nvSpPr>
-          <p:cNvPr id="19" name="Right Arrow 18"/>
-          <p:cNvSpPr/>
-          <p:nvPr/>
-        </p:nvSpPr>
-        <p:spPr>
-          <a:xfrm>
-            <a:off x="8841409" y="2487425"/>
-            <a:ext cx="847898" cy="2419004"/>
-          </a:xfrm>
-          <a:prstGeom prst="rightArrow">
-            <a:avLst/>
-          </a:prstGeom>
-          <a:noFill/>
-          <a:ln>
-            <a:solidFill>
-              <a:schemeClr val="tx1">
-                <a:lumMod val="95000"/>
-                <a:lumOff val="5000"/>
-              </a:schemeClr>
-            </a:solidFill>
-          </a:ln>
-        </p:spPr>
-        <p:style>
-          <a:lnRef idx="2">
-            <a:schemeClr val="accent1">
-              <a:shade val="50000"/>
-            </a:schemeClr>
-          </a:lnRef>
-          <a:fillRef idx="1">
-            <a:schemeClr val="accent1"/>
-          </a:fillRef>
-          <a:effectRef idx="0">
-            <a:schemeClr val="accent1"/>
-          </a:effectRef>
-          <a:fontRef idx="minor">
-            <a:schemeClr val="lt1"/>
-          </a:fontRef>
-        </p:style>
-        <p:txBody>
-          <a:bodyPr rtlCol="0" anchor="ctr"/>
-          <a:lstStyle/>
-          <a:p>
-            <a:pPr algn="ctr"/>
-            <a:endParaRPr lang="en-US"/>
-          </a:p>
-        </p:txBody>
-      </p:sp>
-    </p:spTree>
-    <p:extLst>
-      <p:ext uri="{BB962C8B-B14F-4D97-AF65-F5344CB8AC3E}">
-        <p14:creationId xmlns:p14="http://schemas.microsoft.com/office/powerpoint/2010/main" val="445276623"/>
-      </p:ext>
-    </p:extLst>
-  </p:cSld>
-  <p:clrMapOvr>
-    <a:masterClrMapping/>
-  </p:clrMapOvr>
-  <p:timing>
-    <p:tnLst>
-      <p:par>
-        <p:cTn id="1" dur="indefinite" restart="never" nodeType="tmRoot"/>
-      </p:par>
-    </p:tnLst>
-  </p:timing>
-</p:sld>
-</file>
-
-<file path=ppt/slides/slide3.xml><?xml version="1.0" encoding="utf-8"?>
-<p:sld xmlns:a="http://schemas.openxmlformats.org/drawingml/2006/main" xmlns:r="http://schemas.openxmlformats.org/officeDocument/2006/relationships" xmlns:p="http://schemas.openxmlformats.org/presentationml/2006/main">
-  <p:cSld>
-    <p:spTree>
-      <p:nvGrpSpPr>
-        <p:cNvPr id="1" name=""/>
-        <p:cNvGrpSpPr/>
-        <p:nvPr/>
-      </p:nvGrpSpPr>
-      <p:grpSpPr>
-        <a:xfrm>
-          <a:off x="0" y="0"/>
-          <a:ext cx="0" cy="0"/>
-          <a:chOff x="0" y="0"/>
-          <a:chExt cx="0" cy="0"/>
-        </a:xfrm>
-      </p:grpSpPr>
-      <p:sp>
-        <p:nvSpPr>
           <p:cNvPr id="5" name="TextBox 4"/>
           <p:cNvSpPr txBox="1"/>
           <p:nvPr/>
@@ -5147,14 +4494,14 @@
           <p:nvPr>
             <p:extLst>
               <p:ext uri="{D42A27DB-BD31-4B8C-83A1-F6EECF244321}">
-                <p14:modId xmlns:p14="http://schemas.microsoft.com/office/powerpoint/2010/main" val="4037290059"/>
+                <p14:modId xmlns:p14="http://schemas.microsoft.com/office/powerpoint/2010/main" val="544083144"/>
               </p:ext>
             </p:extLst>
           </p:nvPr>
         </p:nvGraphicFramePr>
         <p:xfrm>
           <a:off x="149974" y="1027239"/>
-          <a:ext cx="11687700" cy="2538921"/>
+          <a:ext cx="11687700" cy="5132096"/>
         </p:xfrm>
         <a:graphic>
           <a:graphicData uri="http://schemas.openxmlformats.org/drawingml/2006/table">
@@ -5351,7 +4698,11 @@
                     <a:bodyPr/>
                     <a:lstStyle/>
                     <a:p>
-                      <a:endParaRPr lang="en-US"/>
+                      <a:r>
+                        <a:rPr lang="en-US" dirty="0" smtClean="0"/>
+                        <a:t>GET</a:t>
+                      </a:r>
+                      <a:endParaRPr lang="en-US" dirty="0"/>
                     </a:p>
                   </a:txBody>
                   <a:tcPr/>
@@ -5361,7 +4712,15 @@
                     <a:bodyPr/>
                     <a:lstStyle/>
                     <a:p>
-                      <a:endParaRPr lang="en-US"/>
+                      <a:r>
+                        <a:rPr lang="en-US" dirty="0" smtClean="0"/>
+                        <a:t>/templates/</a:t>
+                      </a:r>
+                      <a:r>
+                        <a:rPr lang="en-US" dirty="0" err="1" smtClean="0"/>
+                        <a:t>LinearRegression</a:t>
+                      </a:r>
+                      <a:endParaRPr lang="en-US" dirty="0"/>
                     </a:p>
                   </a:txBody>
                   <a:tcPr/>
@@ -5371,7 +4730,11 @@
                     <a:bodyPr/>
                     <a:lstStyle/>
                     <a:p>
-                      <a:endParaRPr lang="en-US"/>
+                      <a:r>
+                        <a:rPr lang="en-US" dirty="0" smtClean="0"/>
+                        <a:t>Body: empty</a:t>
+                      </a:r>
+                      <a:endParaRPr lang="en-US" dirty="0"/>
                     </a:p>
                   </a:txBody>
                   <a:tcPr/>
@@ -5381,7 +4744,24 @@
                     <a:bodyPr/>
                     <a:lstStyle/>
                     <a:p>
-                      <a:endParaRPr lang="en-US"/>
+                      <a:r>
+                        <a:rPr lang="en-US" dirty="0" smtClean="0"/>
+                        <a:t>Status: 200</a:t>
+                      </a:r>
+                    </a:p>
+                    <a:p>
+                      <a:r>
+                        <a:rPr lang="en-US" dirty="0" smtClean="0"/>
+                        <a:t>Content-Type:</a:t>
+                      </a:r>
+                      <a:r>
+                        <a:rPr lang="en-US" baseline="0" dirty="0" smtClean="0"/>
+                        <a:t> file</a:t>
+                      </a:r>
+                      <a:endParaRPr lang="en-US" dirty="0" smtClean="0"/>
+                    </a:p>
+                    <a:p>
+                      <a:endParaRPr lang="en-US" dirty="0"/>
                     </a:p>
                   </a:txBody>
                   <a:tcPr/>
@@ -5391,7 +4771,11 @@
                     <a:bodyPr/>
                     <a:lstStyle/>
                     <a:p>
-                      <a:endParaRPr lang="en-US"/>
+                      <a:r>
+                        <a:rPr lang="en-US" dirty="0" smtClean="0"/>
+                        <a:t>Status: 400</a:t>
+                      </a:r>
+                      <a:endParaRPr lang="en-US" dirty="0"/>
                     </a:p>
                   </a:txBody>
                   <a:tcPr/>
@@ -5401,7 +4785,15 @@
                     <a:bodyPr/>
                     <a:lstStyle/>
                     <a:p>
-                      <a:endParaRPr lang="en-US"/>
+                      <a:r>
+                        <a:rPr lang="en-US" dirty="0" smtClean="0"/>
+                        <a:t>Retrieve template</a:t>
+                      </a:r>
+                      <a:r>
+                        <a:rPr lang="en-US" baseline="0" dirty="0" smtClean="0"/>
+                        <a:t> for Linear Regression</a:t>
+                      </a:r>
+                      <a:endParaRPr lang="en-US" dirty="0"/>
                     </a:p>
                   </a:txBody>
                   <a:tcPr/>
@@ -5418,7 +4810,11 @@
                     <a:bodyPr/>
                     <a:lstStyle/>
                     <a:p>
-                      <a:endParaRPr lang="en-US"/>
+                      <a:r>
+                        <a:rPr lang="en-US" dirty="0" smtClean="0"/>
+                        <a:t>POST</a:t>
+                      </a:r>
+                      <a:endParaRPr lang="en-US" dirty="0"/>
                     </a:p>
                   </a:txBody>
                   <a:tcPr/>
@@ -5428,7 +4824,15 @@
                     <a:bodyPr/>
                     <a:lstStyle/>
                     <a:p>
-                      <a:endParaRPr lang="en-US"/>
+                      <a:r>
+                        <a:rPr lang="en-US" dirty="0" smtClean="0"/>
+                        <a:t>/</a:t>
+                      </a:r>
+                      <a:r>
+                        <a:rPr lang="en-US" dirty="0" err="1" smtClean="0"/>
+                        <a:t>persistlm</a:t>
+                      </a:r>
+                      <a:endParaRPr lang="en-US" dirty="0"/>
                     </a:p>
                   </a:txBody>
                   <a:tcPr/>
@@ -5438,7 +4842,11 @@
                     <a:bodyPr/>
                     <a:lstStyle/>
                     <a:p>
-                      <a:endParaRPr lang="en-US"/>
+                      <a:r>
+                        <a:rPr lang="en-US" dirty="0" smtClean="0"/>
+                        <a:t>Body: coordinates</a:t>
+                      </a:r>
+                      <a:endParaRPr lang="en-US" dirty="0"/>
                     </a:p>
                   </a:txBody>
                   <a:tcPr/>
@@ -5448,7 +4856,17 @@
                     <a:bodyPr/>
                     <a:lstStyle/>
                     <a:p>
-                      <a:endParaRPr lang="en-US"/>
+                      <a:r>
+                        <a:rPr lang="en-US" dirty="0" smtClean="0"/>
+                        <a:t>Status: 200</a:t>
+                      </a:r>
+                    </a:p>
+                    <a:p>
+                      <a:r>
+                        <a:rPr lang="en-US" dirty="0" smtClean="0"/>
+                        <a:t>Body: new document ID </a:t>
+                      </a:r>
+                      <a:endParaRPr lang="en-US" dirty="0"/>
                     </a:p>
                   </a:txBody>
                   <a:tcPr/>
@@ -5458,7 +4876,11 @@
                     <a:bodyPr/>
                     <a:lstStyle/>
                     <a:p>
-                      <a:endParaRPr lang="en-US"/>
+                      <a:r>
+                        <a:rPr lang="en-US" dirty="0" smtClean="0"/>
+                        <a:t>Status: 400</a:t>
+                      </a:r>
+                      <a:endParaRPr lang="en-US" dirty="0"/>
                     </a:p>
                   </a:txBody>
                   <a:tcPr/>
@@ -5468,7 +4890,11 @@
                     <a:bodyPr/>
                     <a:lstStyle/>
                     <a:p>
-                      <a:endParaRPr lang="en-US"/>
+                      <a:r>
+                        <a:rPr lang="en-US" dirty="0" smtClean="0"/>
+                        <a:t>Persist template data in MongoDB</a:t>
+                      </a:r>
+                      <a:endParaRPr lang="en-US" dirty="0"/>
                     </a:p>
                   </a:txBody>
                   <a:tcPr/>
@@ -5485,7 +4911,11 @@
                     <a:bodyPr/>
                     <a:lstStyle/>
                     <a:p>
-                      <a:endParaRPr lang="en-US"/>
+                      <a:r>
+                        <a:rPr lang="en-US" dirty="0" smtClean="0"/>
+                        <a:t>GET</a:t>
+                      </a:r>
+                      <a:endParaRPr lang="en-US" dirty="0"/>
                     </a:p>
                   </a:txBody>
                   <a:tcPr/>
@@ -5495,7 +4925,15 @@
                     <a:bodyPr/>
                     <a:lstStyle/>
                     <a:p>
-                      <a:endParaRPr lang="en-US"/>
+                      <a:r>
+                        <a:rPr lang="en-US" dirty="0" smtClean="0"/>
+                        <a:t>/</a:t>
+                      </a:r>
+                      <a:r>
+                        <a:rPr lang="en-US" dirty="0" err="1" smtClean="0"/>
+                        <a:t>findall</a:t>
+                      </a:r>
+                      <a:endParaRPr lang="en-US" dirty="0"/>
                     </a:p>
                   </a:txBody>
                   <a:tcPr/>
@@ -5505,7 +4943,11 @@
                     <a:bodyPr/>
                     <a:lstStyle/>
                     <a:p>
-                      <a:endParaRPr lang="en-US"/>
+                      <a:r>
+                        <a:rPr lang="en-US" dirty="0" smtClean="0"/>
+                        <a:t>Body: empty</a:t>
+                      </a:r>
+                      <a:endParaRPr lang="en-US" dirty="0"/>
                     </a:p>
                   </a:txBody>
                   <a:tcPr/>
@@ -5515,7 +4957,17 @@
                     <a:bodyPr/>
                     <a:lstStyle/>
                     <a:p>
-                      <a:endParaRPr lang="en-US"/>
+                      <a:r>
+                        <a:rPr lang="en-US" dirty="0" smtClean="0"/>
+                        <a:t>Status: 200</a:t>
+                      </a:r>
+                    </a:p>
+                    <a:p>
+                      <a:r>
+                        <a:rPr lang="en-US" dirty="0" smtClean="0"/>
+                        <a:t>Body: all document IDs in the DB</a:t>
+                      </a:r>
+                      <a:endParaRPr lang="en-US" dirty="0"/>
                     </a:p>
                   </a:txBody>
                   <a:tcPr/>
@@ -5525,7 +4977,15 @@
                     <a:bodyPr/>
                     <a:lstStyle/>
                     <a:p>
-                      <a:endParaRPr lang="en-US"/>
+                      <a:r>
+                        <a:rPr lang="en-US" dirty="0" smtClean="0"/>
+                        <a:t>Status</a:t>
+                      </a:r>
+                      <a:r>
+                        <a:rPr lang="en-US" baseline="0" dirty="0" smtClean="0"/>
+                        <a:t>: 400</a:t>
+                      </a:r>
+                      <a:endParaRPr lang="en-US" dirty="0"/>
                     </a:p>
                   </a:txBody>
                   <a:tcPr/>
@@ -5535,7 +4995,15 @@
                     <a:bodyPr/>
                     <a:lstStyle/>
                     <a:p>
-                      <a:endParaRPr lang="en-US"/>
+                      <a:r>
+                        <a:rPr lang="en-US" dirty="0" smtClean="0"/>
+                        <a:t>Retrieve all document IDs</a:t>
+                      </a:r>
+                      <a:r>
+                        <a:rPr lang="en-US" baseline="0" dirty="0" smtClean="0"/>
+                        <a:t> in MongoDB</a:t>
+                      </a:r>
+                      <a:endParaRPr lang="en-US" dirty="0"/>
                     </a:p>
                   </a:txBody>
                   <a:tcPr/>
@@ -5552,7 +5020,11 @@
                     <a:bodyPr/>
                     <a:lstStyle/>
                     <a:p>
-                      <a:endParaRPr lang="en-US"/>
+                      <a:r>
+                        <a:rPr lang="en-US" dirty="0" smtClean="0"/>
+                        <a:t>GET</a:t>
+                      </a:r>
+                      <a:endParaRPr lang="en-US" dirty="0"/>
                     </a:p>
                   </a:txBody>
                   <a:tcPr/>
@@ -5562,7 +5034,19 @@
                     <a:bodyPr/>
                     <a:lstStyle/>
                     <a:p>
-                      <a:endParaRPr lang="en-US"/>
+                      <a:r>
+                        <a:rPr lang="en-US" dirty="0" smtClean="0"/>
+                        <a:t>/lm/{</a:t>
+                      </a:r>
+                      <a:r>
+                        <a:rPr lang="en-US" dirty="0" err="1" smtClean="0"/>
+                        <a:t>dbID</a:t>
+                      </a:r>
+                      <a:r>
+                        <a:rPr lang="en-US" dirty="0" smtClean="0"/>
+                        <a:t>}</a:t>
+                      </a:r>
+                      <a:endParaRPr lang="en-US" dirty="0"/>
                     </a:p>
                   </a:txBody>
                   <a:tcPr/>
@@ -5572,7 +5056,15 @@
                     <a:bodyPr/>
                     <a:lstStyle/>
                     <a:p>
-                      <a:endParaRPr lang="en-US"/>
+                      <a:r>
+                        <a:rPr lang="en-US" dirty="0" smtClean="0"/>
+                        <a:t>Body:</a:t>
+                      </a:r>
+                      <a:r>
+                        <a:rPr lang="en-US" baseline="0" dirty="0" smtClean="0"/>
+                        <a:t> empty</a:t>
+                      </a:r>
+                      <a:endParaRPr lang="en-US" dirty="0"/>
                     </a:p>
                   </a:txBody>
                   <a:tcPr/>
@@ -5582,7 +5074,21 @@
                     <a:bodyPr/>
                     <a:lstStyle/>
                     <a:p>
-                      <a:endParaRPr lang="en-US"/>
+                      <a:r>
+                        <a:rPr lang="en-US" dirty="0" smtClean="0"/>
+                        <a:t>Status: 200</a:t>
+                      </a:r>
+                    </a:p>
+                    <a:p>
+                      <a:r>
+                        <a:rPr lang="en-US" dirty="0" smtClean="0"/>
+                        <a:t>Body:</a:t>
+                      </a:r>
+                      <a:r>
+                        <a:rPr lang="en-US" baseline="0" dirty="0" smtClean="0"/>
+                        <a:t> coordinates, intercept and constant</a:t>
+                      </a:r>
+                      <a:endParaRPr lang="en-US" dirty="0"/>
                     </a:p>
                   </a:txBody>
                   <a:tcPr/>
@@ -5592,7 +5098,15 @@
                     <a:bodyPr/>
                     <a:lstStyle/>
                     <a:p>
-                      <a:endParaRPr lang="en-US"/>
+                      <a:r>
+                        <a:rPr lang="en-US" dirty="0" smtClean="0"/>
+                        <a:t>Status:</a:t>
+                      </a:r>
+                      <a:r>
+                        <a:rPr lang="en-US" baseline="0" dirty="0" smtClean="0"/>
+                        <a:t> 400</a:t>
+                      </a:r>
+                      <a:endParaRPr lang="en-US" dirty="0"/>
                     </a:p>
                   </a:txBody>
                   <a:tcPr/>
@@ -5602,7 +5116,19 @@
                     <a:bodyPr/>
                     <a:lstStyle/>
                     <a:p>
-                      <a:endParaRPr lang="en-US"/>
+                      <a:r>
+                        <a:rPr lang="en-US" dirty="0" smtClean="0"/>
+                        <a:t>Retrieve coordinates and calculated</a:t>
+                      </a:r>
+                      <a:r>
+                        <a:rPr lang="en-US" baseline="0" dirty="0" smtClean="0"/>
+                        <a:t> intercept and </a:t>
+                      </a:r>
+                      <a:r>
+                        <a:rPr lang="en-US" baseline="0" dirty="0" err="1" smtClean="0"/>
+                        <a:t>const</a:t>
+                      </a:r>
+                      <a:endParaRPr lang="en-US" dirty="0"/>
                     </a:p>
                   </a:txBody>
                   <a:tcPr/>
@@ -5610,73 +5136,6 @@
                 <a:extLst>
                   <a:ext uri="{0D108BD9-81ED-4DB2-BD59-A6C34878D82A}">
                     <a16:rowId xmlns:a16="http://schemas.microsoft.com/office/drawing/2014/main" val="3853122102"/>
-                  </a:ext>
-                </a:extLst>
-              </a:tr>
-              <a:tr h="377477">
-                <a:tc>
-                  <a:txBody>
-                    <a:bodyPr/>
-                    <a:lstStyle/>
-                    <a:p>
-                      <a:endParaRPr lang="en-US"/>
-                    </a:p>
-                  </a:txBody>
-                  <a:tcPr/>
-                </a:tc>
-                <a:tc>
-                  <a:txBody>
-                    <a:bodyPr/>
-                    <a:lstStyle/>
-                    <a:p>
-                      <a:endParaRPr lang="en-US"/>
-                    </a:p>
-                  </a:txBody>
-                  <a:tcPr/>
-                </a:tc>
-                <a:tc>
-                  <a:txBody>
-                    <a:bodyPr/>
-                    <a:lstStyle/>
-                    <a:p>
-                      <a:endParaRPr lang="en-US"/>
-                    </a:p>
-                  </a:txBody>
-                  <a:tcPr/>
-                </a:tc>
-                <a:tc>
-                  <a:txBody>
-                    <a:bodyPr/>
-                    <a:lstStyle/>
-                    <a:p>
-                      <a:endParaRPr lang="en-US"/>
-                    </a:p>
-                  </a:txBody>
-                  <a:tcPr/>
-                </a:tc>
-                <a:tc>
-                  <a:txBody>
-                    <a:bodyPr/>
-                    <a:lstStyle/>
-                    <a:p>
-                      <a:endParaRPr lang="en-US"/>
-                    </a:p>
-                  </a:txBody>
-                  <a:tcPr/>
-                </a:tc>
-                <a:tc>
-                  <a:txBody>
-                    <a:bodyPr/>
-                    <a:lstStyle/>
-                    <a:p>
-                      <a:endParaRPr lang="en-US" dirty="0"/>
-                    </a:p>
-                  </a:txBody>
-                  <a:tcPr/>
-                </a:tc>
-                <a:extLst>
-                  <a:ext uri="{0D108BD9-81ED-4DB2-BD59-A6C34878D82A}">
-                    <a16:rowId xmlns:a16="http://schemas.microsoft.com/office/drawing/2014/main" val="1189424995"/>
                   </a:ext>
                 </a:extLst>
               </a:tr>
@@ -5688,6 +5147,1220 @@
     <p:extLst>
       <p:ext uri="{BB962C8B-B14F-4D97-AF65-F5344CB8AC3E}">
         <p14:creationId xmlns:p14="http://schemas.microsoft.com/office/powerpoint/2010/main" val="545221192"/>
+      </p:ext>
+    </p:extLst>
+  </p:cSld>
+  <p:clrMapOvr>
+    <a:masterClrMapping/>
+  </p:clrMapOvr>
+  <p:timing>
+    <p:tnLst>
+      <p:par>
+        <p:cTn id="1" dur="indefinite" restart="never" nodeType="tmRoot"/>
+      </p:par>
+    </p:tnLst>
+  </p:timing>
+</p:sld>
+</file>
+
+<file path=ppt/slides/slide3.xml><?xml version="1.0" encoding="utf-8"?>
+<p:sld xmlns:a="http://schemas.openxmlformats.org/drawingml/2006/main" xmlns:r="http://schemas.openxmlformats.org/officeDocument/2006/relationships" xmlns:p="http://schemas.openxmlformats.org/presentationml/2006/main">
+  <p:cSld>
+    <p:spTree>
+      <p:nvGrpSpPr>
+        <p:cNvPr id="1" name=""/>
+        <p:cNvGrpSpPr/>
+        <p:nvPr/>
+      </p:nvGrpSpPr>
+      <p:grpSpPr>
+        <a:xfrm>
+          <a:off x="0" y="0"/>
+          <a:ext cx="0" cy="0"/>
+          <a:chOff x="0" y="0"/>
+          <a:chExt cx="0" cy="0"/>
+        </a:xfrm>
+      </p:grpSpPr>
+      <p:sp>
+        <p:nvSpPr>
+          <p:cNvPr id="22" name="Rectangle 21"/>
+          <p:cNvSpPr/>
+          <p:nvPr/>
+        </p:nvSpPr>
+        <p:spPr>
+          <a:xfrm>
+            <a:off x="9884173" y="1440873"/>
+            <a:ext cx="2033524" cy="4512108"/>
+          </a:xfrm>
+          <a:prstGeom prst="rect">
+            <a:avLst/>
+          </a:prstGeom>
+          <a:solidFill>
+            <a:schemeClr val="bg1">
+              <a:lumMod val="85000"/>
+            </a:schemeClr>
+          </a:solidFill>
+          <a:ln>
+            <a:solidFill>
+              <a:schemeClr val="tx1">
+                <a:lumMod val="95000"/>
+                <a:lumOff val="5000"/>
+              </a:schemeClr>
+            </a:solidFill>
+          </a:ln>
+        </p:spPr>
+        <p:style>
+          <a:lnRef idx="2">
+            <a:schemeClr val="accent1">
+              <a:shade val="50000"/>
+            </a:schemeClr>
+          </a:lnRef>
+          <a:fillRef idx="1">
+            <a:schemeClr val="accent1"/>
+          </a:fillRef>
+          <a:effectRef idx="0">
+            <a:schemeClr val="accent1"/>
+          </a:effectRef>
+          <a:fontRef idx="minor">
+            <a:schemeClr val="lt1"/>
+          </a:fontRef>
+        </p:style>
+        <p:txBody>
+          <a:bodyPr rtlCol="0" anchor="t" anchorCtr="0"/>
+          <a:lstStyle/>
+          <a:p>
+            <a:endParaRPr lang="en-US" dirty="0"/>
+          </a:p>
+          <a:p>
+            <a:pPr marL="342900" indent="-342900">
+              <a:buAutoNum type="arabicPeriod"/>
+            </a:pPr>
+            <a:r>
+              <a:rPr lang="en-US" sz="1400" b="1" dirty="0" smtClean="0">
+                <a:solidFill>
+                  <a:schemeClr val="tx1"/>
+                </a:solidFill>
+              </a:rPr>
+              <a:t>AngularJS</a:t>
+            </a:r>
+            <a:r>
+              <a:rPr lang="en-US" sz="1400" dirty="0">
+                <a:solidFill>
+                  <a:schemeClr val="tx1"/>
+                </a:solidFill>
+              </a:rPr>
+              <a:t> </a:t>
+            </a:r>
+            <a:r>
+              <a:rPr lang="en-US" sz="1400" b="1" dirty="0" smtClean="0">
+                <a:solidFill>
+                  <a:schemeClr val="tx1"/>
+                </a:solidFill>
+              </a:rPr>
+              <a:t>controller</a:t>
+            </a:r>
+            <a:r>
+              <a:rPr lang="en-US" sz="1400" dirty="0" smtClean="0">
+                <a:solidFill>
+                  <a:schemeClr val="tx1"/>
+                </a:solidFill>
+              </a:rPr>
+              <a:t> retrieves data from backend and updates view for the client; using </a:t>
+            </a:r>
+            <a:r>
+              <a:rPr lang="en-US" sz="1400" b="1" dirty="0" err="1" smtClean="0">
+                <a:solidFill>
+                  <a:schemeClr val="tx1"/>
+                </a:solidFill>
+              </a:rPr>
+              <a:t>Plotly</a:t>
+            </a:r>
+            <a:r>
+              <a:rPr lang="en-US" sz="1400" dirty="0" smtClean="0">
+                <a:solidFill>
+                  <a:schemeClr val="tx1"/>
+                </a:solidFill>
+              </a:rPr>
+              <a:t> to draw the chart</a:t>
+            </a:r>
+          </a:p>
+          <a:p>
+            <a:pPr marL="342900" indent="-342900">
+              <a:buAutoNum type="arabicPeriod"/>
+            </a:pPr>
+            <a:endParaRPr lang="en-US" sz="1400" dirty="0" smtClean="0">
+              <a:solidFill>
+                <a:schemeClr val="tx1"/>
+              </a:solidFill>
+            </a:endParaRPr>
+          </a:p>
+          <a:p>
+            <a:pPr marL="342900" indent="-342900">
+              <a:buAutoNum type="arabicPeriod"/>
+            </a:pPr>
+            <a:endParaRPr lang="en-US" sz="1400" dirty="0">
+              <a:solidFill>
+                <a:schemeClr val="tx1"/>
+              </a:solidFill>
+            </a:endParaRPr>
+          </a:p>
+        </p:txBody>
+      </p:sp>
+      <p:sp>
+        <p:nvSpPr>
+          <p:cNvPr id="21" name="Rectangle 20"/>
+          <p:cNvSpPr/>
+          <p:nvPr/>
+        </p:nvSpPr>
+        <p:spPr>
+          <a:xfrm>
+            <a:off x="6660990" y="1440873"/>
+            <a:ext cx="2033524" cy="4512108"/>
+          </a:xfrm>
+          <a:prstGeom prst="rect">
+            <a:avLst/>
+          </a:prstGeom>
+          <a:solidFill>
+            <a:schemeClr val="bg1">
+              <a:lumMod val="85000"/>
+            </a:schemeClr>
+          </a:solidFill>
+          <a:ln>
+            <a:solidFill>
+              <a:schemeClr val="tx1">
+                <a:lumMod val="95000"/>
+                <a:lumOff val="5000"/>
+              </a:schemeClr>
+            </a:solidFill>
+          </a:ln>
+        </p:spPr>
+        <p:style>
+          <a:lnRef idx="2">
+            <a:schemeClr val="accent1">
+              <a:shade val="50000"/>
+            </a:schemeClr>
+          </a:lnRef>
+          <a:fillRef idx="1">
+            <a:schemeClr val="accent1"/>
+          </a:fillRef>
+          <a:effectRef idx="0">
+            <a:schemeClr val="accent1"/>
+          </a:effectRef>
+          <a:fontRef idx="minor">
+            <a:schemeClr val="lt1"/>
+          </a:fontRef>
+        </p:style>
+        <p:txBody>
+          <a:bodyPr rtlCol="0" anchor="t" anchorCtr="0"/>
+          <a:lstStyle/>
+          <a:p>
+            <a:endParaRPr lang="en-US" dirty="0"/>
+          </a:p>
+          <a:p>
+            <a:pPr marL="342900" indent="-342900">
+              <a:buAutoNum type="arabicPeriod"/>
+            </a:pPr>
+            <a:r>
+              <a:rPr lang="en-US" sz="1400" b="1" dirty="0" smtClean="0">
+                <a:solidFill>
+                  <a:schemeClr val="tx1"/>
+                </a:solidFill>
+              </a:rPr>
+              <a:t>AngularJS controller </a:t>
+            </a:r>
+            <a:r>
+              <a:rPr lang="en-US" sz="1400" dirty="0" smtClean="0">
+                <a:solidFill>
+                  <a:schemeClr val="tx1"/>
+                </a:solidFill>
+              </a:rPr>
+              <a:t>calls </a:t>
+            </a:r>
+            <a:r>
+              <a:rPr lang="en-US" sz="1400" b="1" dirty="0" err="1" smtClean="0">
+                <a:solidFill>
+                  <a:schemeClr val="tx1"/>
+                </a:solidFill>
+              </a:rPr>
+              <a:t>NodeJS</a:t>
+            </a:r>
+            <a:r>
+              <a:rPr lang="en-US" sz="1400" b="1" dirty="0" smtClean="0">
+                <a:solidFill>
+                  <a:schemeClr val="tx1"/>
+                </a:solidFill>
+              </a:rPr>
+              <a:t> end point </a:t>
+            </a:r>
+            <a:r>
+              <a:rPr lang="en-US" sz="1400" dirty="0" smtClean="0">
+                <a:solidFill>
+                  <a:schemeClr val="tx1"/>
+                </a:solidFill>
+              </a:rPr>
+              <a:t>with the ID (path variable)</a:t>
+            </a:r>
+            <a:endParaRPr lang="en-US" sz="1400" b="1" dirty="0" smtClean="0">
+              <a:solidFill>
+                <a:schemeClr val="tx1"/>
+              </a:solidFill>
+            </a:endParaRPr>
+          </a:p>
+          <a:p>
+            <a:pPr marL="342900" indent="-342900">
+              <a:buAutoNum type="arabicPeriod"/>
+            </a:pPr>
+            <a:r>
+              <a:rPr lang="en-US" sz="1400" b="1" dirty="0" err="1" smtClean="0">
+                <a:solidFill>
+                  <a:schemeClr val="tx1"/>
+                </a:solidFill>
+              </a:rPr>
+              <a:t>NodeJS</a:t>
+            </a:r>
+            <a:r>
+              <a:rPr lang="en-US" sz="1400" b="1" dirty="0" smtClean="0">
+                <a:solidFill>
+                  <a:schemeClr val="tx1"/>
+                </a:solidFill>
+              </a:rPr>
+              <a:t> </a:t>
+            </a:r>
+            <a:r>
+              <a:rPr lang="en-US" sz="1400" dirty="0" smtClean="0">
+                <a:solidFill>
+                  <a:schemeClr val="tx1"/>
+                </a:solidFill>
+              </a:rPr>
+              <a:t>calls </a:t>
+            </a:r>
+            <a:r>
+              <a:rPr lang="en-US" sz="1400" b="1" dirty="0" smtClean="0">
+                <a:solidFill>
+                  <a:schemeClr val="tx1"/>
+                </a:solidFill>
+              </a:rPr>
+              <a:t>MongoDB</a:t>
+            </a:r>
+            <a:r>
+              <a:rPr lang="en-US" sz="1400" dirty="0" smtClean="0">
+                <a:solidFill>
+                  <a:schemeClr val="tx1"/>
+                </a:solidFill>
+              </a:rPr>
+              <a:t> with the ID to retrieve coordinates/data from </a:t>
+            </a:r>
+            <a:r>
+              <a:rPr lang="en-US" sz="1400" b="1" dirty="0" smtClean="0">
+                <a:solidFill>
+                  <a:schemeClr val="tx1"/>
+                </a:solidFill>
+              </a:rPr>
+              <a:t>Mongo DB</a:t>
+            </a:r>
+          </a:p>
+          <a:p>
+            <a:pPr marL="342900" indent="-342900">
+              <a:buAutoNum type="arabicPeriod"/>
+            </a:pPr>
+            <a:r>
+              <a:rPr lang="en-US" sz="1400" b="1" dirty="0" err="1" smtClean="0">
+                <a:solidFill>
+                  <a:schemeClr val="tx1"/>
+                </a:solidFill>
+              </a:rPr>
+              <a:t>NodeJS</a:t>
+            </a:r>
+            <a:r>
+              <a:rPr lang="en-US" sz="1400" b="1" dirty="0" smtClean="0">
+                <a:solidFill>
+                  <a:schemeClr val="tx1"/>
+                </a:solidFill>
+              </a:rPr>
+              <a:t> </a:t>
+            </a:r>
+            <a:r>
+              <a:rPr lang="en-US" sz="1400" dirty="0" smtClean="0">
+                <a:solidFill>
+                  <a:schemeClr val="tx1"/>
+                </a:solidFill>
+              </a:rPr>
+              <a:t>calls </a:t>
+            </a:r>
+            <a:r>
+              <a:rPr lang="en-US" sz="1400" b="1" dirty="0" err="1" smtClean="0">
+                <a:solidFill>
+                  <a:schemeClr val="tx1"/>
+                </a:solidFill>
+              </a:rPr>
+              <a:t>OpenCPU</a:t>
+            </a:r>
+            <a:r>
+              <a:rPr lang="en-US" sz="1400" dirty="0" smtClean="0">
+                <a:solidFill>
+                  <a:schemeClr val="tx1"/>
+                </a:solidFill>
+              </a:rPr>
+              <a:t> R method (API end point) to retrieve intercept and constant for the Regression formula</a:t>
+            </a:r>
+          </a:p>
+          <a:p>
+            <a:pPr marL="342900" indent="-342900">
+              <a:buAutoNum type="arabicPeriod"/>
+            </a:pPr>
+            <a:r>
+              <a:rPr lang="en-US" sz="1400" b="1" dirty="0" err="1" smtClean="0">
+                <a:solidFill>
+                  <a:schemeClr val="tx1"/>
+                </a:solidFill>
+              </a:rPr>
+              <a:t>NodeJS</a:t>
+            </a:r>
+            <a:r>
+              <a:rPr lang="en-US" sz="1400" b="1" dirty="0" smtClean="0">
+                <a:solidFill>
+                  <a:schemeClr val="tx1"/>
+                </a:solidFill>
+              </a:rPr>
+              <a:t> </a:t>
+            </a:r>
+            <a:r>
+              <a:rPr lang="en-US" sz="1400" dirty="0" smtClean="0">
+                <a:solidFill>
+                  <a:schemeClr val="tx1"/>
+                </a:solidFill>
+              </a:rPr>
+              <a:t>returns results back to the client as JSON</a:t>
+            </a:r>
+            <a:endParaRPr lang="en-US" sz="1400" b="1" dirty="0" smtClean="0">
+              <a:solidFill>
+                <a:schemeClr val="tx1"/>
+              </a:solidFill>
+            </a:endParaRPr>
+          </a:p>
+          <a:p>
+            <a:pPr marL="342900" indent="-342900">
+              <a:buAutoNum type="arabicPeriod"/>
+            </a:pPr>
+            <a:endParaRPr lang="en-US" sz="1400" dirty="0" smtClean="0">
+              <a:solidFill>
+                <a:schemeClr val="tx1"/>
+              </a:solidFill>
+            </a:endParaRPr>
+          </a:p>
+          <a:p>
+            <a:pPr marL="342900" indent="-342900">
+              <a:buAutoNum type="arabicPeriod"/>
+            </a:pPr>
+            <a:endParaRPr lang="en-US" sz="1400" dirty="0">
+              <a:solidFill>
+                <a:schemeClr val="tx1"/>
+              </a:solidFill>
+            </a:endParaRPr>
+          </a:p>
+        </p:txBody>
+      </p:sp>
+      <p:sp>
+        <p:nvSpPr>
+          <p:cNvPr id="20" name="Rectangle 19"/>
+          <p:cNvSpPr/>
+          <p:nvPr/>
+        </p:nvSpPr>
+        <p:spPr>
+          <a:xfrm>
+            <a:off x="3405482" y="1440873"/>
+            <a:ext cx="2033524" cy="4512108"/>
+          </a:xfrm>
+          <a:prstGeom prst="rect">
+            <a:avLst/>
+          </a:prstGeom>
+          <a:solidFill>
+            <a:schemeClr val="bg1">
+              <a:lumMod val="85000"/>
+            </a:schemeClr>
+          </a:solidFill>
+          <a:ln>
+            <a:solidFill>
+              <a:schemeClr val="tx1">
+                <a:lumMod val="95000"/>
+                <a:lumOff val="5000"/>
+              </a:schemeClr>
+            </a:solidFill>
+          </a:ln>
+        </p:spPr>
+        <p:style>
+          <a:lnRef idx="2">
+            <a:schemeClr val="accent1">
+              <a:shade val="50000"/>
+            </a:schemeClr>
+          </a:lnRef>
+          <a:fillRef idx="1">
+            <a:schemeClr val="accent1"/>
+          </a:fillRef>
+          <a:effectRef idx="0">
+            <a:schemeClr val="accent1"/>
+          </a:effectRef>
+          <a:fontRef idx="minor">
+            <a:schemeClr val="lt1"/>
+          </a:fontRef>
+        </p:style>
+        <p:txBody>
+          <a:bodyPr rtlCol="0" anchor="t" anchorCtr="0"/>
+          <a:lstStyle/>
+          <a:p>
+            <a:endParaRPr lang="en-US" dirty="0"/>
+          </a:p>
+          <a:p>
+            <a:pPr marL="342900" indent="-342900">
+              <a:buAutoNum type="arabicPeriod"/>
+            </a:pPr>
+            <a:r>
+              <a:rPr lang="en-US" sz="1400" b="1" dirty="0" err="1" smtClean="0">
+                <a:solidFill>
+                  <a:schemeClr val="tx1"/>
+                </a:solidFill>
+              </a:rPr>
+              <a:t>NodeJS</a:t>
+            </a:r>
+            <a:r>
+              <a:rPr lang="en-US" sz="1400" b="1" dirty="0" smtClean="0">
+                <a:solidFill>
+                  <a:schemeClr val="tx1"/>
+                </a:solidFill>
+              </a:rPr>
+              <a:t> API end point </a:t>
+            </a:r>
+            <a:r>
+              <a:rPr lang="en-US" sz="1400" dirty="0" smtClean="0">
+                <a:solidFill>
+                  <a:schemeClr val="tx1"/>
+                </a:solidFill>
+              </a:rPr>
+              <a:t>receives template data from the client</a:t>
+            </a:r>
+          </a:p>
+          <a:p>
+            <a:pPr marL="342900" indent="-342900">
+              <a:buAutoNum type="arabicPeriod"/>
+            </a:pPr>
+            <a:r>
+              <a:rPr lang="en-US" sz="1400" b="1" dirty="0" smtClean="0">
+                <a:solidFill>
+                  <a:schemeClr val="tx1"/>
+                </a:solidFill>
+              </a:rPr>
+              <a:t>Mongoose</a:t>
+            </a:r>
+            <a:r>
+              <a:rPr lang="en-US" sz="1400" dirty="0" smtClean="0">
+                <a:solidFill>
+                  <a:schemeClr val="tx1"/>
+                </a:solidFill>
+              </a:rPr>
+              <a:t> connects to </a:t>
+            </a:r>
+            <a:r>
+              <a:rPr lang="en-US" sz="1400" b="1" dirty="0" smtClean="0">
+                <a:solidFill>
+                  <a:schemeClr val="tx1"/>
+                </a:solidFill>
+              </a:rPr>
+              <a:t>MongoDB</a:t>
+            </a:r>
+            <a:r>
+              <a:rPr lang="en-US" sz="1400" dirty="0">
+                <a:solidFill>
+                  <a:schemeClr val="tx1"/>
+                </a:solidFill>
+              </a:rPr>
+              <a:t>,</a:t>
+            </a:r>
+            <a:r>
+              <a:rPr lang="en-US" sz="1400" dirty="0" smtClean="0">
+                <a:solidFill>
+                  <a:schemeClr val="tx1"/>
+                </a:solidFill>
+              </a:rPr>
+              <a:t> persists the JSON and assigns an ID</a:t>
+            </a:r>
+            <a:endParaRPr lang="en-US" sz="1400" b="1" dirty="0" smtClean="0">
+              <a:solidFill>
+                <a:schemeClr val="tx1"/>
+              </a:solidFill>
+            </a:endParaRPr>
+          </a:p>
+          <a:p>
+            <a:pPr marL="342900" indent="-342900">
+              <a:buAutoNum type="arabicPeriod"/>
+            </a:pPr>
+            <a:r>
+              <a:rPr lang="en-US" sz="1400" b="1" dirty="0" err="1" smtClean="0">
+                <a:solidFill>
+                  <a:schemeClr val="tx1"/>
+                </a:solidFill>
+              </a:rPr>
+              <a:t>NodeJS</a:t>
+            </a:r>
+            <a:r>
+              <a:rPr lang="en-US" sz="1400" dirty="0" smtClean="0">
+                <a:solidFill>
+                  <a:schemeClr val="tx1"/>
+                </a:solidFill>
+              </a:rPr>
+              <a:t> sends 200 status and the new ID to the client</a:t>
+            </a:r>
+          </a:p>
+          <a:p>
+            <a:pPr marL="342900" indent="-342900">
+              <a:buAutoNum type="arabicPeriod"/>
+            </a:pPr>
+            <a:r>
+              <a:rPr lang="en-US" sz="1400" b="1" dirty="0" smtClean="0">
+                <a:solidFill>
+                  <a:schemeClr val="tx1"/>
+                </a:solidFill>
+              </a:rPr>
+              <a:t>AngularJS controller</a:t>
+            </a:r>
+            <a:r>
+              <a:rPr lang="en-US" sz="1400" dirty="0" smtClean="0">
+                <a:solidFill>
+                  <a:schemeClr val="tx1"/>
+                </a:solidFill>
+              </a:rPr>
+              <a:t> builds a URL (using the ID) and redirects to the new page</a:t>
+            </a:r>
+            <a:endParaRPr lang="en-US" sz="1400" b="1" dirty="0" smtClean="0">
+              <a:solidFill>
+                <a:schemeClr val="tx1"/>
+              </a:solidFill>
+            </a:endParaRPr>
+          </a:p>
+          <a:p>
+            <a:pPr marL="342900" indent="-342900">
+              <a:buAutoNum type="arabicPeriod"/>
+            </a:pPr>
+            <a:endParaRPr lang="en-US" sz="1400" dirty="0" smtClean="0">
+              <a:solidFill>
+                <a:schemeClr val="tx1"/>
+              </a:solidFill>
+            </a:endParaRPr>
+          </a:p>
+          <a:p>
+            <a:pPr marL="342900" indent="-342900">
+              <a:buAutoNum type="arabicPeriod"/>
+            </a:pPr>
+            <a:endParaRPr lang="en-US" sz="1400" dirty="0">
+              <a:solidFill>
+                <a:schemeClr val="tx1"/>
+              </a:solidFill>
+            </a:endParaRPr>
+          </a:p>
+        </p:txBody>
+      </p:sp>
+      <p:sp>
+        <p:nvSpPr>
+          <p:cNvPr id="5" name="TextBox 4"/>
+          <p:cNvSpPr txBox="1"/>
+          <p:nvPr/>
+        </p:nvSpPr>
+        <p:spPr>
+          <a:xfrm>
+            <a:off x="149974" y="308056"/>
+            <a:ext cx="11750175" cy="369332"/>
+          </a:xfrm>
+          <a:prstGeom prst="rect">
+            <a:avLst/>
+          </a:prstGeom>
+          <a:solidFill>
+            <a:schemeClr val="tx1"/>
+          </a:solidFill>
+        </p:spPr>
+        <p:txBody>
+          <a:bodyPr wrap="square" rtlCol="0">
+            <a:spAutoFit/>
+          </a:bodyPr>
+          <a:lstStyle/>
+          <a:p>
+            <a:r>
+              <a:rPr lang="en-US" dirty="0" smtClean="0">
+                <a:solidFill>
+                  <a:schemeClr val="bg1"/>
+                </a:solidFill>
+              </a:rPr>
+              <a:t>Process Flow</a:t>
+            </a:r>
+            <a:endParaRPr lang="en-US" dirty="0">
+              <a:solidFill>
+                <a:schemeClr val="bg1"/>
+              </a:solidFill>
+            </a:endParaRPr>
+          </a:p>
+        </p:txBody>
+      </p:sp>
+      <p:sp>
+        <p:nvSpPr>
+          <p:cNvPr id="10" name="Rectangle 9"/>
+          <p:cNvSpPr/>
+          <p:nvPr/>
+        </p:nvSpPr>
+        <p:spPr>
+          <a:xfrm>
+            <a:off x="3583917" y="1310571"/>
+            <a:ext cx="1676654" cy="260604"/>
+          </a:xfrm>
+          <a:prstGeom prst="rect">
+            <a:avLst/>
+          </a:prstGeom>
+          <a:solidFill>
+            <a:schemeClr val="tx1">
+              <a:lumMod val="65000"/>
+              <a:lumOff val="35000"/>
+            </a:schemeClr>
+          </a:solidFill>
+          <a:ln>
+            <a:noFill/>
+          </a:ln>
+        </p:spPr>
+        <p:style>
+          <a:lnRef idx="2">
+            <a:schemeClr val="accent1">
+              <a:shade val="50000"/>
+            </a:schemeClr>
+          </a:lnRef>
+          <a:fillRef idx="1">
+            <a:schemeClr val="accent1"/>
+          </a:fillRef>
+          <a:effectRef idx="0">
+            <a:schemeClr val="accent1"/>
+          </a:effectRef>
+          <a:fontRef idx="minor">
+            <a:schemeClr val="lt1"/>
+          </a:fontRef>
+        </p:style>
+        <p:txBody>
+          <a:bodyPr rtlCol="0" anchor="ctr"/>
+          <a:lstStyle/>
+          <a:p>
+            <a:pPr algn="ctr"/>
+            <a:r>
+              <a:rPr lang="en-US" dirty="0" smtClean="0"/>
+              <a:t>Persistence</a:t>
+            </a:r>
+            <a:endParaRPr lang="en-US" dirty="0"/>
+          </a:p>
+        </p:txBody>
+      </p:sp>
+      <p:sp>
+        <p:nvSpPr>
+          <p:cNvPr id="11" name="Rectangle 10"/>
+          <p:cNvSpPr/>
+          <p:nvPr/>
+        </p:nvSpPr>
+        <p:spPr>
+          <a:xfrm>
+            <a:off x="149974" y="1440873"/>
+            <a:ext cx="2033524" cy="4512108"/>
+          </a:xfrm>
+          <a:prstGeom prst="rect">
+            <a:avLst/>
+          </a:prstGeom>
+          <a:solidFill>
+            <a:schemeClr val="bg1">
+              <a:lumMod val="85000"/>
+            </a:schemeClr>
+          </a:solidFill>
+          <a:ln>
+            <a:solidFill>
+              <a:schemeClr val="tx1">
+                <a:lumMod val="95000"/>
+                <a:lumOff val="5000"/>
+              </a:schemeClr>
+            </a:solidFill>
+          </a:ln>
+        </p:spPr>
+        <p:style>
+          <a:lnRef idx="2">
+            <a:schemeClr val="accent1">
+              <a:shade val="50000"/>
+            </a:schemeClr>
+          </a:lnRef>
+          <a:fillRef idx="1">
+            <a:schemeClr val="accent1"/>
+          </a:fillRef>
+          <a:effectRef idx="0">
+            <a:schemeClr val="accent1"/>
+          </a:effectRef>
+          <a:fontRef idx="minor">
+            <a:schemeClr val="lt1"/>
+          </a:fontRef>
+        </p:style>
+        <p:txBody>
+          <a:bodyPr rtlCol="0" anchor="t" anchorCtr="0"/>
+          <a:lstStyle/>
+          <a:p>
+            <a:endParaRPr lang="en-US" dirty="0"/>
+          </a:p>
+          <a:p>
+            <a:pPr marL="342900" indent="-342900">
+              <a:buAutoNum type="arabicPeriod"/>
+            </a:pPr>
+            <a:r>
+              <a:rPr lang="en-US" sz="1400" dirty="0" smtClean="0">
+                <a:solidFill>
+                  <a:schemeClr val="tx1"/>
+                </a:solidFill>
+              </a:rPr>
+              <a:t>“Upload” template to </a:t>
+            </a:r>
+            <a:r>
+              <a:rPr lang="en-US" sz="1400" b="1" dirty="0" smtClean="0">
+                <a:solidFill>
+                  <a:schemeClr val="tx1"/>
+                </a:solidFill>
+              </a:rPr>
+              <a:t>AngularJS controller </a:t>
+            </a:r>
+            <a:r>
+              <a:rPr lang="en-US" sz="1400" dirty="0" smtClean="0">
+                <a:solidFill>
+                  <a:schemeClr val="tx1"/>
+                </a:solidFill>
+              </a:rPr>
+              <a:t>on the client side</a:t>
+            </a:r>
+            <a:endParaRPr lang="en-US" sz="1400" b="1" dirty="0" smtClean="0">
+              <a:solidFill>
+                <a:schemeClr val="tx1"/>
+              </a:solidFill>
+            </a:endParaRPr>
+          </a:p>
+          <a:p>
+            <a:pPr marL="342900" indent="-342900">
+              <a:buAutoNum type="arabicPeriod"/>
+            </a:pPr>
+            <a:r>
+              <a:rPr lang="en-US" sz="1400" b="1" dirty="0" err="1" smtClean="0">
+                <a:solidFill>
+                  <a:schemeClr val="tx1"/>
+                </a:solidFill>
+              </a:rPr>
+              <a:t>SheetJS</a:t>
+            </a:r>
+            <a:r>
+              <a:rPr lang="en-US" sz="1400" dirty="0" smtClean="0">
+                <a:solidFill>
+                  <a:schemeClr val="tx1"/>
+                </a:solidFill>
+              </a:rPr>
+              <a:t> parses the sheet and </a:t>
+            </a:r>
+            <a:r>
+              <a:rPr lang="en-US" sz="1400" b="1" dirty="0" smtClean="0">
+                <a:solidFill>
+                  <a:schemeClr val="tx1"/>
+                </a:solidFill>
+              </a:rPr>
+              <a:t>AngularJS controller </a:t>
+            </a:r>
+            <a:r>
+              <a:rPr lang="en-US" sz="1400" dirty="0" smtClean="0">
+                <a:solidFill>
+                  <a:schemeClr val="tx1"/>
+                </a:solidFill>
+              </a:rPr>
+              <a:t>builds the JSON</a:t>
+            </a:r>
+          </a:p>
+          <a:p>
+            <a:pPr marL="342900" indent="-342900">
+              <a:buAutoNum type="arabicPeriod"/>
+            </a:pPr>
+            <a:r>
+              <a:rPr lang="en-US" sz="1400" dirty="0" smtClean="0">
+                <a:solidFill>
+                  <a:schemeClr val="tx1"/>
+                </a:solidFill>
+              </a:rPr>
+              <a:t>AngularJS sends data to </a:t>
+            </a:r>
+            <a:r>
+              <a:rPr lang="en-US" sz="1400" b="1" dirty="0" err="1" smtClean="0">
+                <a:solidFill>
+                  <a:schemeClr val="tx1"/>
+                </a:solidFill>
+              </a:rPr>
+              <a:t>NodeJS</a:t>
+            </a:r>
+            <a:r>
+              <a:rPr lang="en-US" sz="1400" b="1" dirty="0" smtClean="0">
+                <a:solidFill>
+                  <a:schemeClr val="tx1"/>
+                </a:solidFill>
+              </a:rPr>
+              <a:t> API end point </a:t>
+            </a:r>
+            <a:r>
+              <a:rPr lang="en-US" sz="1400" dirty="0" smtClean="0">
+                <a:solidFill>
+                  <a:schemeClr val="tx1"/>
+                </a:solidFill>
+              </a:rPr>
+              <a:t>to persist data in </a:t>
+            </a:r>
+            <a:r>
+              <a:rPr lang="en-US" sz="1400" b="1" dirty="0" err="1" smtClean="0">
+                <a:solidFill>
+                  <a:schemeClr val="tx1"/>
+                </a:solidFill>
+              </a:rPr>
+              <a:t>MongdoDB</a:t>
+            </a:r>
+            <a:endParaRPr lang="en-US" sz="1400" b="1" dirty="0" smtClean="0">
+              <a:solidFill>
+                <a:schemeClr val="tx1"/>
+              </a:solidFill>
+            </a:endParaRPr>
+          </a:p>
+          <a:p>
+            <a:pPr marL="342900" indent="-342900">
+              <a:buAutoNum type="arabicPeriod"/>
+            </a:pPr>
+            <a:endParaRPr lang="en-US" sz="1400" dirty="0" smtClean="0">
+              <a:solidFill>
+                <a:schemeClr val="tx1"/>
+              </a:solidFill>
+            </a:endParaRPr>
+          </a:p>
+          <a:p>
+            <a:pPr marL="342900" indent="-342900">
+              <a:buAutoNum type="arabicPeriod"/>
+            </a:pPr>
+            <a:endParaRPr lang="en-US" sz="1400" dirty="0">
+              <a:solidFill>
+                <a:schemeClr val="tx1"/>
+              </a:solidFill>
+            </a:endParaRPr>
+          </a:p>
+        </p:txBody>
+      </p:sp>
+      <p:sp>
+        <p:nvSpPr>
+          <p:cNvPr id="12" name="Rectangle 11"/>
+          <p:cNvSpPr/>
+          <p:nvPr/>
+        </p:nvSpPr>
+        <p:spPr>
+          <a:xfrm>
+            <a:off x="328409" y="1310571"/>
+            <a:ext cx="1676654" cy="260604"/>
+          </a:xfrm>
+          <a:prstGeom prst="rect">
+            <a:avLst/>
+          </a:prstGeom>
+          <a:solidFill>
+            <a:schemeClr val="tx1">
+              <a:lumMod val="65000"/>
+              <a:lumOff val="35000"/>
+            </a:schemeClr>
+          </a:solidFill>
+          <a:ln>
+            <a:noFill/>
+          </a:ln>
+        </p:spPr>
+        <p:style>
+          <a:lnRef idx="2">
+            <a:schemeClr val="accent1">
+              <a:shade val="50000"/>
+            </a:schemeClr>
+          </a:lnRef>
+          <a:fillRef idx="1">
+            <a:schemeClr val="accent1"/>
+          </a:fillRef>
+          <a:effectRef idx="0">
+            <a:schemeClr val="accent1"/>
+          </a:effectRef>
+          <a:fontRef idx="minor">
+            <a:schemeClr val="lt1"/>
+          </a:fontRef>
+        </p:style>
+        <p:txBody>
+          <a:bodyPr rtlCol="0" anchor="ctr"/>
+          <a:lstStyle/>
+          <a:p>
+            <a:pPr algn="ctr"/>
+            <a:r>
+              <a:rPr lang="en-US" dirty="0" err="1" smtClean="0"/>
+              <a:t>Tpl</a:t>
+            </a:r>
+            <a:r>
+              <a:rPr lang="en-US" dirty="0" smtClean="0"/>
+              <a:t> </a:t>
+            </a:r>
+            <a:r>
+              <a:rPr lang="en-US" dirty="0" smtClean="0"/>
+              <a:t>Upload</a:t>
+            </a:r>
+            <a:endParaRPr lang="en-US" dirty="0"/>
+          </a:p>
+        </p:txBody>
+      </p:sp>
+      <p:sp>
+        <p:nvSpPr>
+          <p:cNvPr id="14" name="Rectangle 13"/>
+          <p:cNvSpPr/>
+          <p:nvPr/>
+        </p:nvSpPr>
+        <p:spPr>
+          <a:xfrm>
+            <a:off x="6806177" y="1310571"/>
+            <a:ext cx="1676654" cy="260604"/>
+          </a:xfrm>
+          <a:prstGeom prst="rect">
+            <a:avLst/>
+          </a:prstGeom>
+          <a:solidFill>
+            <a:schemeClr val="tx1">
+              <a:lumMod val="65000"/>
+              <a:lumOff val="35000"/>
+            </a:schemeClr>
+          </a:solidFill>
+          <a:ln>
+            <a:noFill/>
+          </a:ln>
+        </p:spPr>
+        <p:style>
+          <a:lnRef idx="2">
+            <a:schemeClr val="accent1">
+              <a:shade val="50000"/>
+            </a:schemeClr>
+          </a:lnRef>
+          <a:fillRef idx="1">
+            <a:schemeClr val="accent1"/>
+          </a:fillRef>
+          <a:effectRef idx="0">
+            <a:schemeClr val="accent1"/>
+          </a:effectRef>
+          <a:fontRef idx="minor">
+            <a:schemeClr val="lt1"/>
+          </a:fontRef>
+        </p:style>
+        <p:txBody>
+          <a:bodyPr rtlCol="0" anchor="ctr"/>
+          <a:lstStyle/>
+          <a:p>
+            <a:pPr algn="ctr"/>
+            <a:r>
+              <a:rPr lang="en-US" dirty="0" smtClean="0"/>
+              <a:t>Analysis</a:t>
+            </a:r>
+            <a:endParaRPr lang="en-US" dirty="0"/>
+          </a:p>
+        </p:txBody>
+      </p:sp>
+      <p:sp>
+        <p:nvSpPr>
+          <p:cNvPr id="16" name="Rectangle 15"/>
+          <p:cNvSpPr/>
+          <p:nvPr/>
+        </p:nvSpPr>
+        <p:spPr>
+          <a:xfrm>
+            <a:off x="10045061" y="1310571"/>
+            <a:ext cx="1676654" cy="260604"/>
+          </a:xfrm>
+          <a:prstGeom prst="rect">
+            <a:avLst/>
+          </a:prstGeom>
+          <a:solidFill>
+            <a:schemeClr val="tx1">
+              <a:lumMod val="65000"/>
+              <a:lumOff val="35000"/>
+            </a:schemeClr>
+          </a:solidFill>
+          <a:ln>
+            <a:noFill/>
+          </a:ln>
+        </p:spPr>
+        <p:style>
+          <a:lnRef idx="2">
+            <a:schemeClr val="accent1">
+              <a:shade val="50000"/>
+            </a:schemeClr>
+          </a:lnRef>
+          <a:fillRef idx="1">
+            <a:schemeClr val="accent1"/>
+          </a:fillRef>
+          <a:effectRef idx="0">
+            <a:schemeClr val="accent1"/>
+          </a:effectRef>
+          <a:fontRef idx="minor">
+            <a:schemeClr val="lt1"/>
+          </a:fontRef>
+        </p:style>
+        <p:txBody>
+          <a:bodyPr rtlCol="0" anchor="ctr"/>
+          <a:lstStyle/>
+          <a:p>
+            <a:pPr algn="ctr"/>
+            <a:r>
+              <a:rPr lang="en-US" dirty="0" smtClean="0"/>
+              <a:t>Results</a:t>
+            </a:r>
+            <a:endParaRPr lang="en-US" dirty="0"/>
+          </a:p>
+        </p:txBody>
+      </p:sp>
+      <p:sp>
+        <p:nvSpPr>
+          <p:cNvPr id="17" name="Right Arrow 16"/>
+          <p:cNvSpPr/>
+          <p:nvPr/>
+        </p:nvSpPr>
+        <p:spPr>
+          <a:xfrm>
+            <a:off x="2360815" y="2487425"/>
+            <a:ext cx="847898" cy="2419004"/>
+          </a:xfrm>
+          <a:prstGeom prst="rightArrow">
+            <a:avLst/>
+          </a:prstGeom>
+          <a:noFill/>
+          <a:ln>
+            <a:solidFill>
+              <a:schemeClr val="tx1">
+                <a:lumMod val="95000"/>
+                <a:lumOff val="5000"/>
+              </a:schemeClr>
+            </a:solidFill>
+          </a:ln>
+        </p:spPr>
+        <p:style>
+          <a:lnRef idx="2">
+            <a:schemeClr val="accent1">
+              <a:shade val="50000"/>
+            </a:schemeClr>
+          </a:lnRef>
+          <a:fillRef idx="1">
+            <a:schemeClr val="accent1"/>
+          </a:fillRef>
+          <a:effectRef idx="0">
+            <a:schemeClr val="accent1"/>
+          </a:effectRef>
+          <a:fontRef idx="minor">
+            <a:schemeClr val="lt1"/>
+          </a:fontRef>
+        </p:style>
+        <p:txBody>
+          <a:bodyPr rtlCol="0" anchor="ctr"/>
+          <a:lstStyle/>
+          <a:p>
+            <a:pPr algn="ctr"/>
+            <a:endParaRPr lang="en-US"/>
+          </a:p>
+        </p:txBody>
+      </p:sp>
+      <p:sp>
+        <p:nvSpPr>
+          <p:cNvPr id="18" name="Right Arrow 17"/>
+          <p:cNvSpPr/>
+          <p:nvPr/>
+        </p:nvSpPr>
+        <p:spPr>
+          <a:xfrm>
+            <a:off x="5601112" y="2487425"/>
+            <a:ext cx="847898" cy="2419004"/>
+          </a:xfrm>
+          <a:prstGeom prst="rightArrow">
+            <a:avLst/>
+          </a:prstGeom>
+          <a:noFill/>
+          <a:ln>
+            <a:solidFill>
+              <a:schemeClr val="tx1">
+                <a:lumMod val="95000"/>
+                <a:lumOff val="5000"/>
+              </a:schemeClr>
+            </a:solidFill>
+          </a:ln>
+        </p:spPr>
+        <p:style>
+          <a:lnRef idx="2">
+            <a:schemeClr val="accent1">
+              <a:shade val="50000"/>
+            </a:schemeClr>
+          </a:lnRef>
+          <a:fillRef idx="1">
+            <a:schemeClr val="accent1"/>
+          </a:fillRef>
+          <a:effectRef idx="0">
+            <a:schemeClr val="accent1"/>
+          </a:effectRef>
+          <a:fontRef idx="minor">
+            <a:schemeClr val="lt1"/>
+          </a:fontRef>
+        </p:style>
+        <p:txBody>
+          <a:bodyPr rtlCol="0" anchor="ctr"/>
+          <a:lstStyle/>
+          <a:p>
+            <a:pPr algn="ctr"/>
+            <a:endParaRPr lang="en-US"/>
+          </a:p>
+        </p:txBody>
+      </p:sp>
+      <p:sp>
+        <p:nvSpPr>
+          <p:cNvPr id="19" name="Right Arrow 18"/>
+          <p:cNvSpPr/>
+          <p:nvPr/>
+        </p:nvSpPr>
+        <p:spPr>
+          <a:xfrm>
+            <a:off x="8841409" y="2487425"/>
+            <a:ext cx="847898" cy="2419004"/>
+          </a:xfrm>
+          <a:prstGeom prst="rightArrow">
+            <a:avLst/>
+          </a:prstGeom>
+          <a:noFill/>
+          <a:ln>
+            <a:solidFill>
+              <a:schemeClr val="tx1">
+                <a:lumMod val="95000"/>
+                <a:lumOff val="5000"/>
+              </a:schemeClr>
+            </a:solidFill>
+          </a:ln>
+        </p:spPr>
+        <p:style>
+          <a:lnRef idx="2">
+            <a:schemeClr val="accent1">
+              <a:shade val="50000"/>
+            </a:schemeClr>
+          </a:lnRef>
+          <a:fillRef idx="1">
+            <a:schemeClr val="accent1"/>
+          </a:fillRef>
+          <a:effectRef idx="0">
+            <a:schemeClr val="accent1"/>
+          </a:effectRef>
+          <a:fontRef idx="minor">
+            <a:schemeClr val="lt1"/>
+          </a:fontRef>
+        </p:style>
+        <p:txBody>
+          <a:bodyPr rtlCol="0" anchor="ctr"/>
+          <a:lstStyle/>
+          <a:p>
+            <a:pPr algn="ctr"/>
+            <a:endParaRPr lang="en-US"/>
+          </a:p>
+        </p:txBody>
+      </p:sp>
+    </p:spTree>
+    <p:extLst>
+      <p:ext uri="{BB962C8B-B14F-4D97-AF65-F5344CB8AC3E}">
+        <p14:creationId xmlns:p14="http://schemas.microsoft.com/office/powerpoint/2010/main" val="445276623"/>
       </p:ext>
     </p:extLst>
   </p:cSld>
